--- a/FehlerkorriegierendeCodes_v2.pptx
+++ b/FehlerkorriegierendeCodes_v2.pptx
@@ -1898,22 +1898,6 @@
     </pc:docChg>
   </pc:docChgLst>
   <pc:docChgLst>
-    <pc:chgData name="vdimova05" userId="S::vdimova05_gmail.com#ext#@inakalnbachgutbuchenhofde.onmicrosoft.com::2386fe1f-764d-4183-be08-91217d426715" providerId="AD" clId="Web-{07BA8314-31E1-44C9-9B05-8A7ADBD7D220}"/>
-    <pc:docChg chg="modSld">
-      <pc:chgData name="vdimova05" userId="S::vdimova05_gmail.com#ext#@inakalnbachgutbuchenhofde.onmicrosoft.com::2386fe1f-764d-4183-be08-91217d426715" providerId="AD" clId="Web-{07BA8314-31E1-44C9-9B05-8A7ADBD7D220}" dt="2021-06-19T10:45:57.255" v="12"/>
-      <pc:docMkLst>
-        <pc:docMk/>
-      </pc:docMkLst>
-      <pc:sldChg chg="modTransition">
-        <pc:chgData name="vdimova05" userId="S::vdimova05_gmail.com#ext#@inakalnbachgutbuchenhofde.onmicrosoft.com::2386fe1f-764d-4183-be08-91217d426715" providerId="AD" clId="Web-{07BA8314-31E1-44C9-9B05-8A7ADBD7D220}" dt="2021-06-19T10:45:57.255" v="12"/>
-        <pc:sldMkLst>
-          <pc:docMk/>
-          <pc:sldMk cId="4065353136" sldId="258"/>
-        </pc:sldMkLst>
-      </pc:sldChg>
-    </pc:docChg>
-  </pc:docChgLst>
-  <pc:docChgLst>
     <pc:chgData name="vdimova05" userId="S::vdimova05_gmail.com#ext#@inakalnbachgutbuchenhofde.onmicrosoft.com::2386fe1f-764d-4183-be08-91217d426715" providerId="AD" clId="Web-{20E1278C-0B90-4523-9145-C0E539B51350}"/>
     <pc:docChg chg="modSld">
       <pc:chgData name="vdimova05" userId="S::vdimova05_gmail.com#ext#@inakalnbachgutbuchenhofde.onmicrosoft.com::2386fe1f-764d-4183-be08-91217d426715" providerId="AD" clId="Web-{20E1278C-0B90-4523-9145-C0E539B51350}" dt="2021-06-15T22:45:57.827" v="0" actId="20577"/>
@@ -1934,6 +1918,22 @@
             <ac:spMk id="3" creationId="{6E4398BA-31ED-47AC-8F70-18F367936F96}"/>
           </ac:spMkLst>
         </pc:spChg>
+      </pc:sldChg>
+    </pc:docChg>
+  </pc:docChgLst>
+  <pc:docChgLst>
+    <pc:chgData name="vdimova05" userId="S::vdimova05_gmail.com#ext#@inakalnbachgutbuchenhofde.onmicrosoft.com::2386fe1f-764d-4183-be08-91217d426715" providerId="AD" clId="Web-{07BA8314-31E1-44C9-9B05-8A7ADBD7D220}"/>
+    <pc:docChg chg="modSld">
+      <pc:chgData name="vdimova05" userId="S::vdimova05_gmail.com#ext#@inakalnbachgutbuchenhofde.onmicrosoft.com::2386fe1f-764d-4183-be08-91217d426715" providerId="AD" clId="Web-{07BA8314-31E1-44C9-9B05-8A7ADBD7D220}" dt="2021-06-19T10:45:57.255" v="12"/>
+      <pc:docMkLst>
+        <pc:docMk/>
+      </pc:docMkLst>
+      <pc:sldChg chg="modTransition">
+        <pc:chgData name="vdimova05" userId="S::vdimova05_gmail.com#ext#@inakalnbachgutbuchenhofde.onmicrosoft.com::2386fe1f-764d-4183-be08-91217d426715" providerId="AD" clId="Web-{07BA8314-31E1-44C9-9B05-8A7ADBD7D220}" dt="2021-06-19T10:45:57.255" v="12"/>
+        <pc:sldMkLst>
+          <pc:docMk/>
+          <pc:sldMk cId="4065353136" sldId="258"/>
+        </pc:sldMkLst>
       </pc:sldChg>
     </pc:docChg>
   </pc:docChgLst>
@@ -4138,7 +4138,7 @@
           <a:p>
             <a:fld id="{1CCEA343-9C3A-45B4-8EBC-6E4C3945152D}" type="datetimeFigureOut">
               <a:rPr lang="de-DE" smtClean="0"/>
-              <a:t>27.11.2021</a:t>
+              <a:t>02.12.2021</a:t>
             </a:fld>
             <a:endParaRPr lang="de-DE"/>
           </a:p>
@@ -4534,7 +4534,7 @@
           <a:p>
             <a:fld id="{13E5CB48-4E94-4A2A-B242-72A002A4A40C}" type="datetime1">
               <a:rPr lang="en-US" smtClean="0"/>
-              <a:t>11/27/2021</a:t>
+              <a:t>12/2/2021</a:t>
             </a:fld>
             <a:endParaRPr lang="en-US"/>
           </a:p>
@@ -4717,7 +4717,7 @@
           <a:p>
             <a:fld id="{8752ED53-F14A-44BC-9C82-1B7985BE2EA0}" type="datetime1">
               <a:rPr lang="en-US" smtClean="0"/>
-              <a:t>11/27/2021</a:t>
+              <a:t>12/2/2021</a:t>
             </a:fld>
             <a:endParaRPr lang="en-US"/>
           </a:p>
@@ -4910,7 +4910,7 @@
           <a:p>
             <a:fld id="{287D392E-B463-477C-BB99-6A671DE88E17}" type="datetime1">
               <a:rPr lang="en-US" smtClean="0"/>
-              <a:t>11/27/2021</a:t>
+              <a:t>12/2/2021</a:t>
             </a:fld>
             <a:endParaRPr lang="en-US"/>
           </a:p>
@@ -5093,7 +5093,7 @@
           <a:p>
             <a:fld id="{807E2877-9AEC-44F5-B1C3-9BE0D2E568F7}" type="datetime1">
               <a:rPr lang="en-US" smtClean="0"/>
-              <a:t>11/27/2021</a:t>
+              <a:t>12/2/2021</a:t>
             </a:fld>
             <a:endParaRPr lang="en-US"/>
           </a:p>
@@ -5353,7 +5353,7 @@
           <a:p>
             <a:fld id="{3BF81541-3D6A-42CF-B179-7A4AD76EE546}" type="datetime1">
               <a:rPr lang="en-US" smtClean="0"/>
-              <a:t>11/27/2021</a:t>
+              <a:t>12/2/2021</a:t>
             </a:fld>
             <a:endParaRPr lang="en-US"/>
           </a:p>
@@ -5597,7 +5597,7 @@
           <a:p>
             <a:fld id="{9D1D9F09-DAE5-4205-BC6C-1A01B3C39340}" type="datetime1">
               <a:rPr lang="en-US" smtClean="0"/>
-              <a:t>11/27/2021</a:t>
+              <a:t>12/2/2021</a:t>
             </a:fld>
             <a:endParaRPr lang="en-US"/>
           </a:p>
@@ -5976,7 +5976,7 @@
           <a:p>
             <a:fld id="{12459EC3-376E-41AE-A433-8C129DAE5153}" type="datetime1">
               <a:rPr lang="en-US" smtClean="0"/>
-              <a:t>11/27/2021</a:t>
+              <a:t>12/2/2021</a:t>
             </a:fld>
             <a:endParaRPr lang="en-US"/>
           </a:p>
@@ -6108,7 +6108,7 @@
           <a:p>
             <a:fld id="{7CADC21F-E9A1-41A6-BBDD-4EA3841F8A0C}" type="datetime1">
               <a:rPr lang="en-US" smtClean="0"/>
-              <a:t>11/27/2021</a:t>
+              <a:t>12/2/2021</a:t>
             </a:fld>
             <a:endParaRPr lang="en-US"/>
           </a:p>
@@ -6218,7 +6218,7 @@
           <a:p>
             <a:fld id="{5B5A6A6B-A9DD-4852-8244-D52C6092F2B6}" type="datetime1">
               <a:rPr lang="en-US" smtClean="0"/>
-              <a:t>11/27/2021</a:t>
+              <a:t>12/2/2021</a:t>
             </a:fld>
             <a:endParaRPr lang="en-US"/>
           </a:p>
@@ -6508,7 +6508,7 @@
           <a:p>
             <a:fld id="{CEDFF572-D94D-4979-8836-3BE19DA0B2C8}" type="datetime1">
               <a:rPr lang="en-US" smtClean="0"/>
-              <a:t>11/27/2021</a:t>
+              <a:t>12/2/2021</a:t>
             </a:fld>
             <a:endParaRPr lang="en-US"/>
           </a:p>
@@ -6775,7 +6775,7 @@
           <a:p>
             <a:fld id="{30A537FB-B201-4B33-A073-6C5A0D06F93E}" type="datetime1">
               <a:rPr lang="en-US" smtClean="0"/>
-              <a:t>11/27/2021</a:t>
+              <a:t>12/2/2021</a:t>
             </a:fld>
             <a:endParaRPr lang="en-US"/>
           </a:p>
@@ -7001,7 +7001,7 @@
           <a:p>
             <a:fld id="{373B9D70-A9EE-419F-8CE6-35E776D58FFC}" type="datetime1">
               <a:rPr lang="en-US" smtClean="0"/>
-              <a:t>11/27/2021</a:t>
+              <a:t>12/2/2021</a:t>
             </a:fld>
             <a:endParaRPr lang="en-US"/>
           </a:p>
@@ -8023,13 +8023,13 @@
   <p:clrMapOvr>
     <a:masterClrMapping/>
   </p:clrMapOvr>
-  <mc:AlternateContent xmlns:mc="http://schemas.openxmlformats.org/markup-compatibility/2006">
-    <mc:Choice xmlns:p14="http://schemas.microsoft.com/office/powerpoint/2010/main" Requires="p14">
+  <mc:AlternateContent xmlns:mc="http://schemas.openxmlformats.org/markup-compatibility/2006" xmlns:p14="http://schemas.microsoft.com/office/powerpoint/2010/main">
+    <mc:Choice Requires="p14">
       <p:transition spd="med" p14:dur="700">
         <p:fade/>
       </p:transition>
     </mc:Choice>
-    <mc:Fallback>
+    <mc:Fallback xmlns="">
       <p:transition spd="med">
         <p:fade/>
       </p:transition>
@@ -19192,7 +19192,7 @@
                 <a:ea typeface="+mn-lt"/>
                 <a:cs typeface="+mn-lt"/>
               </a:rPr>
-              <a:t>4.1. Funktionsweise</a:t>
+              <a:t>4.1. Ziel</a:t>
             </a:r>
             <a:endParaRPr lang="en-US" sz="2800" dirty="0">
               <a:solidFill>
@@ -19223,7 +19223,7 @@
                 <a:ea typeface="+mn-lt"/>
                 <a:cs typeface="+mn-lt"/>
               </a:rPr>
-              <a:t>4.2. Ein- und Ausgabe</a:t>
+              <a:t>4.2. Nutzung</a:t>
             </a:r>
           </a:p>
           <a:p>
@@ -19245,7 +19245,7 @@
                 <a:ea typeface="+mn-lt"/>
                 <a:cs typeface="+mn-lt"/>
               </a:rPr>
-              <a:t>4.3. Verwendete Algorithmen</a:t>
+              <a:t>4.3. Funktionsweise</a:t>
             </a:r>
           </a:p>
           <a:p>
@@ -19267,7 +19267,7 @@
                 <a:ea typeface="+mn-lt"/>
                 <a:cs typeface="+mn-lt"/>
               </a:rPr>
-              <a:t>4.4. Bedienung</a:t>
+              <a:t>4.4. Beispielprogramm</a:t>
             </a:r>
             <a:endParaRPr lang="de-DE" sz="2800" dirty="0">
               <a:solidFill>
@@ -19290,13 +19290,13 @@
   <p:clrMapOvr>
     <a:masterClrMapping/>
   </p:clrMapOvr>
-  <mc:AlternateContent xmlns:mc="http://schemas.openxmlformats.org/markup-compatibility/2006">
-    <mc:Choice xmlns:p14="http://schemas.microsoft.com/office/powerpoint/2010/main" Requires="p14">
+  <mc:AlternateContent xmlns:mc="http://schemas.openxmlformats.org/markup-compatibility/2006" xmlns:p14="http://schemas.microsoft.com/office/powerpoint/2010/main">
+    <mc:Choice Requires="p14">
       <p:transition spd="med" p14:dur="700">
         <p:fade/>
       </p:transition>
     </mc:Choice>
-    <mc:Fallback>
+    <mc:Fallback xmlns="">
       <p:transition spd="med">
         <p:fade/>
       </p:transition>
@@ -26714,7 +26714,7 @@
                 <a:ea typeface="+mn-lt"/>
                 <a:cs typeface="+mn-lt"/>
               </a:rPr>
-              <a:t>4.1. Funktionsweise</a:t>
+              <a:t>4.1. Ziel</a:t>
             </a:r>
             <a:endParaRPr lang="en-US" sz="2800" dirty="0">
               <a:ea typeface="+mn-lt"/>
@@ -26735,7 +26735,7 @@
                 <a:ea typeface="+mn-lt"/>
                 <a:cs typeface="+mn-lt"/>
               </a:rPr>
-              <a:t>4.2. Ein- und Ausgabe</a:t>
+              <a:t>4.2. Nutzung</a:t>
             </a:r>
           </a:p>
           <a:p>
@@ -26752,7 +26752,7 @@
                 <a:ea typeface="+mn-lt"/>
                 <a:cs typeface="+mn-lt"/>
               </a:rPr>
-              <a:t>4.3. Verwendete Algorithmen</a:t>
+              <a:t>4.3. Funktionsweise</a:t>
             </a:r>
           </a:p>
           <a:p>
@@ -26769,7 +26769,7 @@
                 <a:ea typeface="+mn-lt"/>
                 <a:cs typeface="+mn-lt"/>
               </a:rPr>
-              <a:t>4.4. Bedienung</a:t>
+              <a:t>4.4. Beispielprogramm</a:t>
             </a:r>
             <a:endParaRPr lang="de-DE" sz="2800" dirty="0">
               <a:cs typeface="Calibri"/>
@@ -26787,13 +26787,13 @@
   <p:clrMapOvr>
     <a:masterClrMapping/>
   </p:clrMapOvr>
-  <mc:AlternateContent xmlns:mc="http://schemas.openxmlformats.org/markup-compatibility/2006">
-    <mc:Choice xmlns:p14="http://schemas.microsoft.com/office/powerpoint/2010/main" Requires="p14">
+  <mc:AlternateContent xmlns:mc="http://schemas.openxmlformats.org/markup-compatibility/2006" xmlns:p14="http://schemas.microsoft.com/office/powerpoint/2010/main">
+    <mc:Choice Requires="p14">
       <p:transition spd="med" p14:dur="700">
         <p:fade/>
       </p:transition>
     </mc:Choice>
-    <mc:Fallback>
+    <mc:Fallback xmlns="">
       <p:transition spd="med">
         <p:fade/>
       </p:transition>
@@ -27463,7 +27463,7 @@
                 <a:ea typeface="+mn-lt"/>
                 <a:cs typeface="+mn-lt"/>
               </a:rPr>
-              <a:t>4.1. Funktionsweise</a:t>
+              <a:t>4.1. Ziel</a:t>
             </a:r>
             <a:endParaRPr lang="en-US" sz="2800" dirty="0">
               <a:ea typeface="+mn-lt"/>
@@ -27484,7 +27484,7 @@
                 <a:ea typeface="+mn-lt"/>
                 <a:cs typeface="+mn-lt"/>
               </a:rPr>
-              <a:t>4.2. Ein- und Ausgabe</a:t>
+              <a:t>4.2. Nutzung</a:t>
             </a:r>
           </a:p>
           <a:p>
@@ -27501,7 +27501,7 @@
                 <a:ea typeface="+mn-lt"/>
                 <a:cs typeface="+mn-lt"/>
               </a:rPr>
-              <a:t>4.3. Verwendete Algorithmen</a:t>
+              <a:t>4.3. Funktionsweise</a:t>
             </a:r>
           </a:p>
           <a:p>
@@ -27518,7 +27518,7 @@
                 <a:ea typeface="+mn-lt"/>
                 <a:cs typeface="+mn-lt"/>
               </a:rPr>
-              <a:t>4.4. Bedienung</a:t>
+              <a:t>4.4. Beispielprogramm</a:t>
             </a:r>
             <a:endParaRPr lang="de-DE" sz="2800" dirty="0">
               <a:cs typeface="Calibri"/>
@@ -28979,7 +28979,7 @@
                 <a:ea typeface="+mn-lt"/>
                 <a:cs typeface="+mn-lt"/>
               </a:rPr>
-              <a:t>4.1. Funktionsweise</a:t>
+              <a:t>4.1. Ziel</a:t>
             </a:r>
             <a:endParaRPr lang="en-US" sz="2800" dirty="0">
               <a:solidFill>
@@ -29010,7 +29010,7 @@
                 <a:ea typeface="+mn-lt"/>
                 <a:cs typeface="+mn-lt"/>
               </a:rPr>
-              <a:t>4.2. Ein- und Ausgabe</a:t>
+              <a:t>4.2. Nutzung</a:t>
             </a:r>
           </a:p>
           <a:p>
@@ -29032,7 +29032,7 @@
                 <a:ea typeface="+mn-lt"/>
                 <a:cs typeface="+mn-lt"/>
               </a:rPr>
-              <a:t>4.3. Verwendete Algorithmen</a:t>
+              <a:t>4.3. Funktionsweise</a:t>
             </a:r>
           </a:p>
           <a:p>
@@ -29054,7 +29054,7 @@
                 <a:ea typeface="+mn-lt"/>
                 <a:cs typeface="+mn-lt"/>
               </a:rPr>
-              <a:t>4.4. Bedienung</a:t>
+              <a:t>4.4. Beispielprogramm</a:t>
             </a:r>
             <a:endParaRPr lang="de-DE" sz="2800" dirty="0">
               <a:solidFill>
@@ -29077,13 +29077,13 @@
   <p:clrMapOvr>
     <a:masterClrMapping/>
   </p:clrMapOvr>
-  <mc:AlternateContent xmlns:mc="http://schemas.openxmlformats.org/markup-compatibility/2006">
-    <mc:Choice xmlns:p14="http://schemas.microsoft.com/office/powerpoint/2010/main" Requires="p14">
+  <mc:AlternateContent xmlns:mc="http://schemas.openxmlformats.org/markup-compatibility/2006" xmlns:p14="http://schemas.microsoft.com/office/powerpoint/2010/main">
+    <mc:Choice Requires="p14">
       <p:transition spd="med" p14:dur="700">
         <p:fade/>
       </p:transition>
     </mc:Choice>
-    <mc:Fallback>
+    <mc:Fallback xmlns="">
       <p:transition spd="med">
         <p:fade/>
       </p:transition>
@@ -29353,13 +29353,13 @@
   <p:clrMapOvr>
     <a:masterClrMapping/>
   </p:clrMapOvr>
-  <mc:AlternateContent xmlns:mc="http://schemas.openxmlformats.org/markup-compatibility/2006">
-    <mc:Choice xmlns:p14="http://schemas.microsoft.com/office/powerpoint/2010/main" Requires="p14">
+  <mc:AlternateContent xmlns:mc="http://schemas.openxmlformats.org/markup-compatibility/2006" xmlns:p14="http://schemas.microsoft.com/office/powerpoint/2010/main">
+    <mc:Choice Requires="p14">
       <p:transition spd="med" p14:dur="700">
         <p:fade/>
       </p:transition>
     </mc:Choice>
-    <mc:Fallback>
+    <mc:Fallback xmlns="">
       <p:transition spd="med">
         <p:fade/>
       </p:transition>
@@ -29694,13 +29694,13 @@
   <p:clrMapOvr>
     <a:masterClrMapping/>
   </p:clrMapOvr>
-  <mc:AlternateContent xmlns:mc="http://schemas.openxmlformats.org/markup-compatibility/2006">
-    <mc:Choice xmlns:p14="http://schemas.microsoft.com/office/powerpoint/2010/main" Requires="p14">
+  <mc:AlternateContent xmlns:mc="http://schemas.openxmlformats.org/markup-compatibility/2006" xmlns:p14="http://schemas.microsoft.com/office/powerpoint/2010/main">
+    <mc:Choice Requires="p14">
       <p:transition spd="med" p14:dur="700">
         <p:fade/>
       </p:transition>
     </mc:Choice>
-    <mc:Fallback>
+    <mc:Fallback xmlns="">
       <p:transition spd="med">
         <p:fade/>
       </p:transition>
@@ -30038,13 +30038,13 @@
   <p:clrMapOvr>
     <a:masterClrMapping/>
   </p:clrMapOvr>
-  <mc:AlternateContent xmlns:mc="http://schemas.openxmlformats.org/markup-compatibility/2006">
-    <mc:Choice xmlns:p14="http://schemas.microsoft.com/office/powerpoint/2010/main" Requires="p14">
+  <mc:AlternateContent xmlns:mc="http://schemas.openxmlformats.org/markup-compatibility/2006" xmlns:p14="http://schemas.microsoft.com/office/powerpoint/2010/main">
+    <mc:Choice Requires="p14">
       <p:transition spd="med" p14:dur="700">
         <p:fade/>
       </p:transition>
     </mc:Choice>
-    <mc:Fallback>
+    <mc:Fallback xmlns="">
       <p:transition spd="med">
         <p:fade/>
       </p:transition>
@@ -30790,7 +30790,7 @@
                 <a:ea typeface="+mn-lt"/>
                 <a:cs typeface="+mn-lt"/>
               </a:rPr>
-              <a:t>4.1. Funktionsweise</a:t>
+              <a:t>4.1. Ziel</a:t>
             </a:r>
             <a:endParaRPr lang="en-US" sz="2800" dirty="0">
               <a:solidFill>
@@ -30821,7 +30821,7 @@
                 <a:ea typeface="+mn-lt"/>
                 <a:cs typeface="+mn-lt"/>
               </a:rPr>
-              <a:t>4.2. Ein- und Ausgabe</a:t>
+              <a:t>4.2. Nutzung</a:t>
             </a:r>
           </a:p>
           <a:p>
@@ -30843,7 +30843,7 @@
                 <a:ea typeface="+mn-lt"/>
                 <a:cs typeface="+mn-lt"/>
               </a:rPr>
-              <a:t>4.3. Verwendete Algorithmen</a:t>
+              <a:t>4.3. Funktionsweise</a:t>
             </a:r>
           </a:p>
           <a:p>
@@ -30865,7 +30865,7 @@
                 <a:ea typeface="+mn-lt"/>
                 <a:cs typeface="+mn-lt"/>
               </a:rPr>
-              <a:t>4.4. Bedienung</a:t>
+              <a:t>4.4. Beispielprogramm</a:t>
             </a:r>
             <a:endParaRPr lang="de-DE" sz="2800" dirty="0">
               <a:solidFill>
@@ -30888,13 +30888,13 @@
   <p:clrMapOvr>
     <a:masterClrMapping/>
   </p:clrMapOvr>
-  <mc:AlternateContent xmlns:mc="http://schemas.openxmlformats.org/markup-compatibility/2006">
-    <mc:Choice xmlns:p14="http://schemas.microsoft.com/office/powerpoint/2010/main" Requires="p14">
+  <mc:AlternateContent xmlns:mc="http://schemas.openxmlformats.org/markup-compatibility/2006" xmlns:p14="http://schemas.microsoft.com/office/powerpoint/2010/main">
+    <mc:Choice Requires="p14">
       <p:transition spd="med" p14:dur="700">
         <p:fade/>
       </p:transition>
     </mc:Choice>
-    <mc:Fallback>
+    <mc:Fallback xmlns="">
       <p:transition spd="med">
         <p:fade/>
       </p:transition>
@@ -31982,6 +31982,21 @@
 </file>
 
 <file path=customXml/item1.xml><?xml version="1.0" encoding="utf-8"?>
+<p:properties xmlns:p="http://schemas.microsoft.com/office/2006/metadata/properties" xmlns:xsi="http://www.w3.org/2001/XMLSchema-instance" xmlns:pc="http://schemas.microsoft.com/office/infopath/2007/PartnerControls">
+  <documentManagement/>
+</p:properties>
+</file>
+
+<file path=customXml/item2.xml><?xml version="1.0" encoding="utf-8"?>
+<?mso-contentType ?>
+<FormTemplates xmlns="http://schemas.microsoft.com/sharepoint/v3/contenttype/forms">
+  <Display>DocumentLibraryForm</Display>
+  <Edit>DocumentLibraryForm</Edit>
+  <New>DocumentLibraryForm</New>
+</FormTemplates>
+</file>
+
+<file path=customXml/item3.xml><?xml version="1.0" encoding="utf-8"?>
 <ct:contentTypeSchema xmlns:ct="http://schemas.microsoft.com/office/2006/metadata/contentType" xmlns:ma="http://schemas.microsoft.com/office/2006/metadata/properties/metaAttributes" ct:_="" ma:_="" ma:contentTypeName="Dokument" ma:contentTypeID="0x010100BF1A66316A5D244A98C9A1ED47AC0F74" ma:contentTypeVersion="2" ma:contentTypeDescription="Ein neues Dokument erstellen." ma:contentTypeScope="" ma:versionID="40b4884524e6854a502aa029451e7879">
   <xsd:schema xmlns:xsd="http://www.w3.org/2001/XMLSchema" xmlns:xs="http://www.w3.org/2001/XMLSchema" xmlns:p="http://schemas.microsoft.com/office/2006/metadata/properties" xmlns:ns2="72bd9237-0627-471d-ab38-191e19b38280" targetNamespace="http://schemas.microsoft.com/office/2006/metadata/properties" ma:root="true" ma:fieldsID="7db74c8a2000042351b79c7c2c8802c5" ns2:_="">
     <xsd:import namespace="72bd9237-0627-471d-ab38-191e19b38280"/>
@@ -32113,22 +32128,24 @@
 </ct:contentTypeSchema>
 </file>
 
-<file path=customXml/item2.xml><?xml version="1.0" encoding="utf-8"?>
-<?mso-contentType ?>
-<FormTemplates xmlns="http://schemas.microsoft.com/sharepoint/v3/contenttype/forms">
-  <Display>DocumentLibraryForm</Display>
-  <Edit>DocumentLibraryForm</Edit>
-  <New>DocumentLibraryForm</New>
-</FormTemplates>
+<file path=customXml/itemProps1.xml><?xml version="1.0" encoding="utf-8"?>
+<ds:datastoreItem xmlns:ds="http://schemas.openxmlformats.org/officeDocument/2006/customXml" ds:itemID="{900F883C-CF19-46DC-B92B-21D3E640E576}">
+  <ds:schemaRefs>
+    <ds:schemaRef ds:uri="http://schemas.microsoft.com/office/2006/metadata/properties"/>
+    <ds:schemaRef ds:uri="http://schemas.microsoft.com/office/infopath/2007/PartnerControls"/>
+  </ds:schemaRefs>
+</ds:datastoreItem>
 </file>
 
-<file path=customXml/item3.xml><?xml version="1.0" encoding="utf-8"?>
-<p:properties xmlns:p="http://schemas.microsoft.com/office/2006/metadata/properties" xmlns:xsi="http://www.w3.org/2001/XMLSchema-instance" xmlns:pc="http://schemas.microsoft.com/office/infopath/2007/PartnerControls">
-  <documentManagement/>
-</p:properties>
+<file path=customXml/itemProps2.xml><?xml version="1.0" encoding="utf-8"?>
+<ds:datastoreItem xmlns:ds="http://schemas.openxmlformats.org/officeDocument/2006/customXml" ds:itemID="{415668FC-083E-4A5E-89B0-182A7B14D18E}">
+  <ds:schemaRefs>
+    <ds:schemaRef ds:uri="http://schemas.microsoft.com/sharepoint/v3/contenttype/forms"/>
+  </ds:schemaRefs>
+</ds:datastoreItem>
 </file>
 
-<file path=customXml/itemProps1.xml><?xml version="1.0" encoding="utf-8"?>
+<file path=customXml/itemProps3.xml><?xml version="1.0" encoding="utf-8"?>
 <ds:datastoreItem xmlns:ds="http://schemas.openxmlformats.org/officeDocument/2006/customXml" ds:itemID="{AEAEDEB1-18F4-4003-968B-D9E262A04E86}">
   <ds:schemaRefs>
     <ds:schemaRef ds:uri="72bd9237-0627-471d-ab38-191e19b38280"/>
@@ -32144,21 +32161,4 @@
     <ds:schemaRef ds:uri="http://www.w3.org/2001/XMLSchema"/>
   </ds:schemaRefs>
 </ds:datastoreItem>
-</file>
-
-<file path=customXml/itemProps2.xml><?xml version="1.0" encoding="utf-8"?>
-<ds:datastoreItem xmlns:ds="http://schemas.openxmlformats.org/officeDocument/2006/customXml" ds:itemID="{415668FC-083E-4A5E-89B0-182A7B14D18E}">
-  <ds:schemaRefs>
-    <ds:schemaRef ds:uri="http://schemas.microsoft.com/sharepoint/v3/contenttype/forms"/>
-  </ds:schemaRefs>
-</ds:datastoreItem>
-</file>
-
-<file path=customXml/itemProps3.xml><?xml version="1.0" encoding="utf-8"?>
-<ds:datastoreItem xmlns:ds="http://schemas.openxmlformats.org/officeDocument/2006/customXml" ds:itemID="{900F883C-CF19-46DC-B92B-21D3E640E576}">
-  <ds:schemaRefs>
-    <ds:schemaRef ds:uri="http://schemas.microsoft.com/office/2006/metadata/properties"/>
-    <ds:schemaRef ds:uri="http://schemas.microsoft.com/office/infopath/2007/PartnerControls"/>
-  </ds:schemaRefs>
-</ds:datastoreItem>
 </file>